--- a/Apresentacao_.pptx
+++ b/Apresentacao_.pptx
@@ -5,29 +5,28 @@
     <p:sldMasterId id="2147483648" r:id="rId1"/>
   </p:sldMasterIdLst>
   <p:notesMasterIdLst>
-    <p:notesMasterId r:id="rId15"/>
+    <p:notesMasterId r:id="rId14"/>
   </p:notesMasterIdLst>
   <p:sldIdLst>
     <p:sldId id="256" r:id="rId2"/>
     <p:sldId id="257" r:id="rId3"/>
-    <p:sldId id="258" r:id="rId4"/>
-    <p:sldId id="259" r:id="rId5"/>
-    <p:sldId id="267" r:id="rId6"/>
-    <p:sldId id="268" r:id="rId7"/>
-    <p:sldId id="260" r:id="rId8"/>
-    <p:sldId id="261" r:id="rId9"/>
-    <p:sldId id="262" r:id="rId10"/>
-    <p:sldId id="263" r:id="rId11"/>
-    <p:sldId id="264" r:id="rId12"/>
-    <p:sldId id="265" r:id="rId13"/>
-    <p:sldId id="266" r:id="rId14"/>
+    <p:sldId id="263" r:id="rId4"/>
+    <p:sldId id="258" r:id="rId5"/>
+    <p:sldId id="259" r:id="rId6"/>
+    <p:sldId id="267" r:id="rId7"/>
+    <p:sldId id="268" r:id="rId8"/>
+    <p:sldId id="260" r:id="rId9"/>
+    <p:sldId id="261" r:id="rId10"/>
+    <p:sldId id="262" r:id="rId11"/>
+    <p:sldId id="265" r:id="rId12"/>
+    <p:sldId id="266" r:id="rId13"/>
   </p:sldIdLst>
   <p:sldSz cx="14630400" cy="8229600"/>
   <p:notesSz cx="8229600" cy="14630400"/>
   <p:embeddedFontLst>
     <p:embeddedFont>
       <p:font typeface="Lato" panose="020F0502020204030203" pitchFamily="34" charset="0"/>
-      <p:regular r:id="rId16"/>
+      <p:regular r:id="rId15"/>
     </p:embeddedFont>
   </p:embeddedFontLst>
   <p:defaultTextStyle>
@@ -688,91 +687,6 @@
 </p:notes>
 </file>
 
-<file path=ppt/notesSlides/notesSlide11.xml><?xml version="1.0" encoding="utf-8"?>
-<p:notes xmlns:a="http://schemas.openxmlformats.org/drawingml/2006/main" xmlns:r="http://schemas.openxmlformats.org/officeDocument/2006/relationships" xmlns:p="http://schemas.openxmlformats.org/presentationml/2006/main">
-  <p:cSld>
-    <p:spTree>
-      <p:nvGrpSpPr>
-        <p:cNvPr id="1" name=""/>
-        <p:cNvGrpSpPr/>
-        <p:nvPr/>
-      </p:nvGrpSpPr>
-      <p:grpSpPr bwMode="auto">
-        <a:xfrm>
-          <a:off x="0" y="0"/>
-          <a:ext cx="0" cy="0"/>
-          <a:chOff x="0" y="0"/>
-          <a:chExt cx="0" cy="0"/>
-        </a:xfrm>
-      </p:grpSpPr>
-      <p:sp>
-        <p:nvSpPr>
-          <p:cNvPr id="2" name="Slide Image Placeholder 1"/>
-          <p:cNvSpPr>
-            <a:spLocks noGrp="1" noRot="1" noChangeAspect="1"/>
-          </p:cNvSpPr>
-          <p:nvPr>
-            <p:ph type="sldImg"/>
-          </p:nvPr>
-        </p:nvSpPr>
-        <p:spPr bwMode="auto"/>
-      </p:sp>
-      <p:sp>
-        <p:nvSpPr>
-          <p:cNvPr id="3" name="Notes Placeholder 2"/>
-          <p:cNvSpPr>
-            <a:spLocks noGrp="1"/>
-          </p:cNvSpPr>
-          <p:nvPr>
-            <p:ph type="body" idx="1"/>
-          </p:nvPr>
-        </p:nvSpPr>
-        <p:spPr bwMode="auto"/>
-        <p:txBody>
-          <a:bodyPr/>
-          <a:lstStyle/>
-          <a:p>
-            <a:pPr>
-              <a:defRPr/>
-            </a:pPr>
-            <a:endParaRPr lang="en-US"/>
-          </a:p>
-        </p:txBody>
-      </p:sp>
-      <p:sp>
-        <p:nvSpPr>
-          <p:cNvPr id="4" name="Slide Number Placeholder 3"/>
-          <p:cNvSpPr>
-            <a:spLocks noGrp="1"/>
-          </p:cNvSpPr>
-          <p:nvPr>
-            <p:ph type="sldNum" sz="quarter" idx="10"/>
-          </p:nvPr>
-        </p:nvSpPr>
-        <p:spPr bwMode="auto"/>
-        <p:txBody>
-          <a:bodyPr/>
-          <a:lstStyle/>
-          <a:p>
-            <a:pPr>
-              <a:defRPr/>
-            </a:pPr>
-            <a:fld id="{F7021451-1387-4CA6-816F-3879F97B5CBC}" type="slidenum">
-              <a:rPr lang="en-US"/>
-              <a:t>13</a:t>
-            </a:fld>
-            <a:endParaRPr lang="en-US"/>
-          </a:p>
-        </p:txBody>
-      </p:sp>
-    </p:spTree>
-  </p:cSld>
-  <p:clrMapOvr>
-    <a:masterClrMapping/>
-  </p:clrMapOvr>
-</p:notes>
-</file>
-
 <file path=ppt/notesSlides/notesSlide2.xml><?xml version="1.0" encoding="utf-8"?>
 <p:notes xmlns:a="http://schemas.openxmlformats.org/drawingml/2006/main" xmlns:r="http://schemas.openxmlformats.org/officeDocument/2006/relationships" xmlns:p="http://schemas.openxmlformats.org/presentationml/2006/main">
   <p:cSld>
@@ -1099,7 +1013,7 @@
             </a:pPr>
             <a:fld id="{F7021451-1387-4CA6-816F-3879F97B5CBC}" type="slidenum">
               <a:rPr lang="en-US"/>
-              <a:t>7</a:t>
+              <a:t>5</a:t>
             </a:fld>
             <a:endParaRPr lang="en-US"/>
           </a:p>
@@ -1245,7 +1159,7 @@
             <a:pPr>
               <a:defRPr/>
             </a:pPr>
-            <a:endParaRPr/>
+            <a:endParaRPr lang="en-US"/>
           </a:p>
         </p:txBody>
       </p:sp>
@@ -1267,11 +1181,11 @@
             <a:pPr>
               <a:defRPr/>
             </a:pPr>
-            <a:fld id="{2A3B0DE6-D8CF-375E-3469-F48491DC7E4F}" type="slidenum">
-              <a:rPr/>
+            <a:fld id="{F7021451-1387-4CA6-816F-3879F97B5CBC}" type="slidenum">
+              <a:rPr lang="en-US"/>
               <a:t>9</a:t>
             </a:fld>
-            <a:endParaRPr/>
+            <a:endParaRPr lang="en-US"/>
           </a:p>
         </p:txBody>
       </p:sp>
@@ -1330,7 +1244,7 @@
             <a:pPr>
               <a:defRPr/>
             </a:pPr>
-            <a:endParaRPr lang="en-US"/>
+            <a:endParaRPr/>
           </a:p>
         </p:txBody>
       </p:sp>
@@ -1352,11 +1266,11 @@
             <a:pPr>
               <a:defRPr/>
             </a:pPr>
-            <a:fld id="{F7021451-1387-4CA6-816F-3879F97B5CBC}" type="slidenum">
-              <a:rPr lang="en-US"/>
+            <a:fld id="{2A3B0DE6-D8CF-375E-3469-F48491DC7E4F}" type="slidenum">
+              <a:rPr/>
               <a:t>10</a:t>
             </a:fld>
-            <a:endParaRPr lang="en-US"/>
+            <a:endParaRPr/>
           </a:p>
         </p:txBody>
       </p:sp>
@@ -3149,7 +3063,7 @@
 
 <file path=ppt/slides/slide10.xml><?xml version="1.0" encoding="utf-8"?>
 <p:sld xmlns:a="http://schemas.openxmlformats.org/drawingml/2006/main" xmlns:r="http://schemas.openxmlformats.org/officeDocument/2006/relationships" xmlns:p="http://schemas.openxmlformats.org/presentationml/2006/main" showMasterPhAnim="0">
-  <p:cSld name="Slide 8">
+  <p:cSld>
     <p:spTree>
       <p:nvGrpSpPr>
         <p:cNvPr id="1" name=""/>
@@ -3166,14 +3080,14 @@
       </p:grpSpPr>
       <p:sp>
         <p:nvSpPr>
-          <p:cNvPr id="2" name="Text 0"/>
-          <p:cNvSpPr/>
-          <p:nvPr/>
-        </p:nvSpPr>
-        <p:spPr bwMode="auto">
-          <a:xfrm>
-            <a:off x="793790" y="1251109"/>
-            <a:ext cx="7670244" cy="708779"/>
+          <p:cNvPr id="2002442213" name="Text 0"/>
+          <p:cNvSpPr/>
+          <p:nvPr/>
+        </p:nvSpPr>
+        <p:spPr bwMode="auto">
+          <a:xfrm>
+            <a:off x="331719" y="56160"/>
+            <a:ext cx="8387421" cy="722818"/>
           </a:xfrm>
           <a:prstGeom prst="rect">
             <a:avLst/>
@@ -3187,7 +3101,7 @@
           <a:p>
             <a:pPr marL="0" indent="0" algn="l">
               <a:lnSpc>
-                <a:spcPts val="5550"/>
+                <a:spcPts val="5549"/>
               </a:lnSpc>
               <a:buNone/>
               <a:defRPr/>
@@ -3201,101 +3115,26 @@
                 <a:ea typeface="Gelasio"/>
                 <a:cs typeface="Gelasio"/>
               </a:rPr>
-              <a:t>Problemas a Serem Resolvidos</a:t>
-            </a:r>
-            <a:endParaRPr lang="en-US" sz="4450"/>
-          </a:p>
-        </p:txBody>
-      </p:sp>
-      <p:sp>
-        <p:nvSpPr>
-          <p:cNvPr id="3" name="Text 1"/>
-          <p:cNvSpPr/>
-          <p:nvPr/>
-        </p:nvSpPr>
-        <p:spPr bwMode="auto">
-          <a:xfrm>
-            <a:off x="2181106" y="2680097"/>
-            <a:ext cx="2851547" cy="354330"/>
-          </a:xfrm>
-          <a:prstGeom prst="rect">
-            <a:avLst/>
-          </a:prstGeom>
-          <a:noFill/>
-          <a:ln/>
-        </p:spPr>
-        <p:txBody>
-          <a:bodyPr wrap="none" lIns="0" tIns="0" rIns="0" bIns="0" rtlCol="0" anchor="t"/>
-          <a:lstStyle/>
-          <a:p>
-            <a:pPr marL="0" indent="0" algn="r">
-              <a:lnSpc>
-                <a:spcPts val="2750"/>
-              </a:lnSpc>
-              <a:buNone/>
-              <a:defRPr/>
-            </a:pPr>
-            <a:r>
-              <a:rPr lang="en-US" sz="2200">
+              <a:t>Resultados</a:t>
+            </a:r>
+            <a:r>
+              <a:rPr lang="pt-BR" sz="4450">
                 <a:solidFill>
-                  <a:srgbClr val="272525"/>
+                  <a:srgbClr val="312F2B"/>
                 </a:solidFill>
                 <a:latin typeface="Gelasio"/>
                 <a:ea typeface="Gelasio"/>
                 <a:cs typeface="Gelasio"/>
               </a:rPr>
-              <a:t>Sistemas de Segurança</a:t>
-            </a:r>
-            <a:endParaRPr lang="en-US" sz="2200"/>
-          </a:p>
-        </p:txBody>
-      </p:sp>
-      <p:sp>
-        <p:nvSpPr>
-          <p:cNvPr id="4" name="Text 2"/>
-          <p:cNvSpPr/>
-          <p:nvPr/>
-        </p:nvSpPr>
-        <p:spPr bwMode="auto">
-          <a:xfrm>
-            <a:off x="793790" y="3170515"/>
-            <a:ext cx="4238863" cy="1088708"/>
-          </a:xfrm>
-          <a:prstGeom prst="rect">
-            <a:avLst/>
-          </a:prstGeom>
-          <a:noFill/>
-          <a:ln/>
-        </p:spPr>
-        <p:txBody>
-          <a:bodyPr wrap="square" lIns="0" tIns="0" rIns="0" bIns="0" rtlCol="0" anchor="t"/>
-          <a:lstStyle/>
-          <a:p>
-            <a:pPr marL="0" indent="0" algn="r">
-              <a:lnSpc>
-                <a:spcPts val="2850"/>
-              </a:lnSpc>
-              <a:buNone/>
-              <a:defRPr/>
-            </a:pPr>
-            <a:r>
-              <a:rPr lang="en-US" sz="1750">
-                <a:solidFill>
-                  <a:srgbClr val="272525"/>
-                </a:solidFill>
-                <a:latin typeface="Lato"/>
-                <a:ea typeface="Lato"/>
-                <a:cs typeface="Lato"/>
-              </a:rPr>
-              <a:t>Capturar movimentos suspeitos em áreas restritas, acionando alertas quando necessário.</a:t>
-            </a:r>
-            <a:endParaRPr lang="en-US" sz="1750"/>
+              <a:t> - Movimento Humano</a:t>
+            </a:r>
+            <a:endParaRPr lang="en-US" sz="4450"/>
           </a:p>
         </p:txBody>
       </p:sp>
       <p:pic>
         <p:nvPicPr>
-          <p:cNvPr id="5" name="Image 0" descr="preencoded.png"/>
+          <p:cNvPr id="1704414087" name="Picture 1704414086"/>
           <p:cNvPicPr>
             <a:picLocks noChangeAspect="1"/>
           </p:cNvPicPr>
@@ -3307,8 +3146,8 @@
         </p:blipFill>
         <p:spPr bwMode="auto">
           <a:xfrm>
-            <a:off x="5032653" y="2413516"/>
-            <a:ext cx="4564975" cy="4564975"/>
+            <a:off x="331719" y="1151119"/>
+            <a:ext cx="6095999" cy="3429000"/>
           </a:xfrm>
           <a:prstGeom prst="rect">
             <a:avLst/>
@@ -3317,7 +3156,7 @@
       </p:pic>
       <p:pic>
         <p:nvPicPr>
-          <p:cNvPr id="6" name="Image 1" descr="preencoded.png"/>
+          <p:cNvPr id="444048733" name="Picture 444048732"/>
           <p:cNvPicPr>
             <a:picLocks noChangeAspect="1"/>
           </p:cNvPicPr>
@@ -3329,103 +3168,17 @@
         </p:blipFill>
         <p:spPr bwMode="auto">
           <a:xfrm>
-            <a:off x="6324362" y="3665458"/>
-            <a:ext cx="318968" cy="398621"/>
+            <a:off x="4329658" y="4680054"/>
+            <a:ext cx="6095999" cy="3429000"/>
           </a:xfrm>
           <a:prstGeom prst="rect">
             <a:avLst/>
           </a:prstGeom>
         </p:spPr>
       </p:pic>
-      <p:sp>
-        <p:nvSpPr>
-          <p:cNvPr id="7" name="Text 3"/>
-          <p:cNvSpPr/>
-          <p:nvPr/>
-        </p:nvSpPr>
-        <p:spPr bwMode="auto">
-          <a:xfrm>
-            <a:off x="9597627" y="2680097"/>
-            <a:ext cx="3376851" cy="354330"/>
-          </a:xfrm>
-          <a:prstGeom prst="rect">
-            <a:avLst/>
-          </a:prstGeom>
-          <a:noFill/>
-          <a:ln/>
-        </p:spPr>
-        <p:txBody>
-          <a:bodyPr wrap="none" lIns="0" tIns="0" rIns="0" bIns="0" rtlCol="0" anchor="t"/>
-          <a:lstStyle/>
-          <a:p>
-            <a:pPr marL="0" indent="0" algn="l">
-              <a:lnSpc>
-                <a:spcPts val="2750"/>
-              </a:lnSpc>
-              <a:buNone/>
-              <a:defRPr/>
-            </a:pPr>
-            <a:r>
-              <a:rPr lang="en-US" sz="2200">
-                <a:solidFill>
-                  <a:srgbClr val="272525"/>
-                </a:solidFill>
-                <a:latin typeface="Gelasio"/>
-                <a:ea typeface="Gelasio"/>
-                <a:cs typeface="Gelasio"/>
-              </a:rPr>
-              <a:t>Monitoramento de Tráfego</a:t>
-            </a:r>
-            <a:endParaRPr lang="en-US" sz="2200"/>
-          </a:p>
-        </p:txBody>
-      </p:sp>
-      <p:sp>
-        <p:nvSpPr>
-          <p:cNvPr id="8" name="Text 4"/>
-          <p:cNvSpPr/>
-          <p:nvPr/>
-        </p:nvSpPr>
-        <p:spPr bwMode="auto">
-          <a:xfrm>
-            <a:off x="9597627" y="3170515"/>
-            <a:ext cx="4238982" cy="1088708"/>
-          </a:xfrm>
-          <a:prstGeom prst="rect">
-            <a:avLst/>
-          </a:prstGeom>
-          <a:noFill/>
-          <a:ln/>
-        </p:spPr>
-        <p:txBody>
-          <a:bodyPr wrap="square" lIns="0" tIns="0" rIns="0" bIns="0" rtlCol="0" anchor="t"/>
-          <a:lstStyle/>
-          <a:p>
-            <a:pPr marL="0" indent="0" algn="l">
-              <a:lnSpc>
-                <a:spcPts val="2850"/>
-              </a:lnSpc>
-              <a:buNone/>
-              <a:defRPr/>
-            </a:pPr>
-            <a:r>
-              <a:rPr lang="en-US" sz="1750">
-                <a:solidFill>
-                  <a:srgbClr val="272525"/>
-                </a:solidFill>
-                <a:latin typeface="Lato"/>
-                <a:ea typeface="Lato"/>
-                <a:cs typeface="Lato"/>
-              </a:rPr>
-              <a:t>Identificar e rastrear veículos em rodovias para estudar fluxo de trânsito e congestionamentos.</a:t>
-            </a:r>
-            <a:endParaRPr lang="en-US" sz="1750"/>
-          </a:p>
-        </p:txBody>
-      </p:sp>
       <p:pic>
         <p:nvPicPr>
-          <p:cNvPr id="9" name="Image 2" descr="preencoded.png"/>
+          <p:cNvPr id="1348752735" name="Picture 1348752734"/>
           <p:cNvPicPr>
             <a:picLocks noChangeAspect="1"/>
           </p:cNvPicPr>
@@ -3437,296 +3190,113 @@
         </p:blipFill>
         <p:spPr bwMode="auto">
           <a:xfrm>
-            <a:off x="5032653" y="2413516"/>
-            <a:ext cx="4564975" cy="4564975"/>
+            <a:off x="7611880" y="1028815"/>
+            <a:ext cx="6095999" cy="3429000"/>
           </a:xfrm>
           <a:prstGeom prst="rect">
             <a:avLst/>
           </a:prstGeom>
         </p:spPr>
       </p:pic>
-      <p:pic>
-        <p:nvPicPr>
-          <p:cNvPr id="10" name="Image 3" descr="preencoded.png"/>
-          <p:cNvPicPr>
-            <a:picLocks noChangeAspect="1"/>
-          </p:cNvPicPr>
-          <p:nvPr/>
-        </p:nvPicPr>
-        <p:blipFill>
-          <a:blip r:embed="rId6"/>
-          <a:stretch/>
-        </p:blipFill>
-        <p:spPr bwMode="auto">
-          <a:xfrm>
-            <a:off x="7986713" y="3665458"/>
-            <a:ext cx="318968" cy="398621"/>
-          </a:xfrm>
-          <a:prstGeom prst="rect">
-            <a:avLst/>
-          </a:prstGeom>
-        </p:spPr>
-      </p:pic>
-      <p:sp>
-        <p:nvSpPr>
-          <p:cNvPr id="11" name="Text 5"/>
-          <p:cNvSpPr/>
-          <p:nvPr/>
-        </p:nvSpPr>
-        <p:spPr bwMode="auto">
-          <a:xfrm>
-            <a:off x="9597627" y="5132665"/>
-            <a:ext cx="3042642" cy="354330"/>
+      <p:sp>
+        <p:nvSpPr>
+          <p:cNvPr id="354955276" name="TextBox 354955275"/>
+          <p:cNvSpPr txBox="1"/>
+          <p:nvPr/>
+        </p:nvSpPr>
+        <p:spPr bwMode="auto">
+          <a:xfrm>
+            <a:off x="1297621" y="687048"/>
+            <a:ext cx="3283548" cy="488039"/>
           </a:xfrm>
           <a:prstGeom prst="rect">
             <a:avLst/>
           </a:prstGeom>
           <a:noFill/>
-          <a:ln/>
-        </p:spPr>
-        <p:txBody>
-          <a:bodyPr wrap="none" lIns="0" tIns="0" rIns="0" bIns="0" rtlCol="0" anchor="t"/>
-          <a:lstStyle/>
-          <a:p>
-            <a:pPr marL="0" indent="0" algn="l">
-              <a:lnSpc>
-                <a:spcPts val="2750"/>
-              </a:lnSpc>
-              <a:buNone/>
-              <a:defRPr/>
-            </a:pPr>
-            <a:r>
-              <a:rPr lang="en-US" sz="2200">
-                <a:solidFill>
-                  <a:srgbClr val="272525"/>
-                </a:solidFill>
-                <a:latin typeface="Gelasio"/>
-                <a:ea typeface="Gelasio"/>
-                <a:cs typeface="Gelasio"/>
-              </a:rPr>
-              <a:t>Comportamento Animal</a:t>
-            </a:r>
-            <a:endParaRPr lang="en-US" sz="2200"/>
-          </a:p>
-        </p:txBody>
-      </p:sp>
-      <p:sp>
-        <p:nvSpPr>
-          <p:cNvPr id="12" name="Text 6"/>
-          <p:cNvSpPr/>
-          <p:nvPr/>
-        </p:nvSpPr>
-        <p:spPr bwMode="auto">
-          <a:xfrm>
-            <a:off x="9597627" y="5623084"/>
-            <a:ext cx="4238982" cy="1088708"/>
+        </p:spPr>
+        <p:txBody>
+          <a:bodyPr vertOverflow="overflow" horzOverflow="overflow" vert="horz" wrap="none" lIns="91440" tIns="45720" rIns="91440" bIns="45720" numCol="1" spcCol="0" rtlCol="0" fromWordArt="0" anchor="t" anchorCtr="0" forceAA="0" compatLnSpc="0">
+            <a:spAutoFit/>
+          </a:bodyPr>
+          <a:lstStyle/>
+          <a:p>
+            <a:pPr>
+              <a:defRPr/>
+            </a:pPr>
+            <a:r>
+              <a:rPr lang="pt-BR" sz="2600"/>
+              <a:t>Diferença Entre frames</a:t>
+            </a:r>
+            <a:endParaRPr sz="2600"/>
+          </a:p>
+        </p:txBody>
+      </p:sp>
+      <p:sp>
+        <p:nvSpPr>
+          <p:cNvPr id="1981386361" name="TextBox 1981386360"/>
+          <p:cNvSpPr txBox="1"/>
+          <p:nvPr/>
+        </p:nvSpPr>
+        <p:spPr bwMode="auto">
+          <a:xfrm>
+            <a:off x="9163710" y="595428"/>
+            <a:ext cx="3039772" cy="488039"/>
           </a:xfrm>
           <a:prstGeom prst="rect">
             <a:avLst/>
           </a:prstGeom>
           <a:noFill/>
-          <a:ln/>
-        </p:spPr>
-        <p:txBody>
-          <a:bodyPr wrap="square" lIns="0" tIns="0" rIns="0" bIns="0" rtlCol="0" anchor="t"/>
-          <a:lstStyle/>
-          <a:p>
-            <a:pPr marL="0" indent="0" algn="l">
-              <a:lnSpc>
-                <a:spcPts val="2850"/>
-              </a:lnSpc>
-              <a:buNone/>
-              <a:defRPr/>
-            </a:pPr>
-            <a:r>
-              <a:rPr lang="en-US" sz="1750">
-                <a:solidFill>
-                  <a:srgbClr val="272525"/>
-                </a:solidFill>
-                <a:latin typeface="Lato"/>
-                <a:ea typeface="Lato"/>
-                <a:cs typeface="Lato"/>
-              </a:rPr>
-              <a:t>Capturar movimentos de animais em cenários rurais com diversos detalhes ambientais.</a:t>
-            </a:r>
-            <a:endParaRPr lang="en-US" sz="1750"/>
-          </a:p>
-        </p:txBody>
-      </p:sp>
-      <p:pic>
-        <p:nvPicPr>
-          <p:cNvPr id="13" name="Image 4" descr="preencoded.png"/>
-          <p:cNvPicPr>
-            <a:picLocks noChangeAspect="1"/>
-          </p:cNvPicPr>
-          <p:nvPr/>
-        </p:nvPicPr>
-        <p:blipFill>
-          <a:blip r:embed="rId7"/>
-          <a:stretch/>
-        </p:blipFill>
-        <p:spPr bwMode="auto">
-          <a:xfrm>
-            <a:off x="5032653" y="2413516"/>
-            <a:ext cx="4564975" cy="4564975"/>
-          </a:xfrm>
-          <a:prstGeom prst="rect">
-            <a:avLst/>
-          </a:prstGeom>
-        </p:spPr>
-      </p:pic>
-      <p:pic>
-        <p:nvPicPr>
-          <p:cNvPr id="14" name="Image 5" descr="preencoded.png"/>
-          <p:cNvPicPr>
-            <a:picLocks noChangeAspect="1"/>
-          </p:cNvPicPr>
-          <p:nvPr/>
-        </p:nvPicPr>
-        <p:blipFill>
-          <a:blip r:embed="rId8"/>
-          <a:stretch/>
-        </p:blipFill>
-        <p:spPr bwMode="auto">
-          <a:xfrm>
-            <a:off x="7986713" y="5327809"/>
-            <a:ext cx="318968" cy="398621"/>
-          </a:xfrm>
-          <a:prstGeom prst="rect">
-            <a:avLst/>
-          </a:prstGeom>
-        </p:spPr>
-      </p:pic>
-      <p:sp>
-        <p:nvSpPr>
-          <p:cNvPr id="15" name="Text 7"/>
-          <p:cNvSpPr/>
-          <p:nvPr/>
-        </p:nvSpPr>
-        <p:spPr bwMode="auto">
-          <a:xfrm>
-            <a:off x="2197418" y="5132665"/>
-            <a:ext cx="2835235" cy="354330"/>
+        </p:spPr>
+        <p:txBody>
+          <a:bodyPr vertOverflow="overflow" horzOverflow="overflow" vert="horz" wrap="none" lIns="91440" tIns="45720" rIns="91440" bIns="45720" numCol="1" spcCol="0" rtlCol="0" fromWordArt="0" anchor="t" anchorCtr="0" forceAA="0" compatLnSpc="0">
+            <a:spAutoFit/>
+          </a:bodyPr>
+          <a:lstStyle/>
+          <a:p>
+            <a:pPr>
+              <a:defRPr/>
+            </a:pPr>
+            <a:r>
+              <a:rPr lang="pt-BR" sz="2600"/>
+              <a:t>Threshold adaptativo</a:t>
+            </a:r>
+            <a:endParaRPr sz="2600"/>
+          </a:p>
+        </p:txBody>
+      </p:sp>
+      <p:sp>
+        <p:nvSpPr>
+          <p:cNvPr id="1499392875" name="TextBox 1499392874"/>
+          <p:cNvSpPr txBox="1"/>
+          <p:nvPr/>
+        </p:nvSpPr>
+        <p:spPr bwMode="auto">
+          <a:xfrm>
+            <a:off x="10683595" y="6010000"/>
+            <a:ext cx="2114961" cy="488039"/>
           </a:xfrm>
           <a:prstGeom prst="rect">
             <a:avLst/>
           </a:prstGeom>
           <a:noFill/>
-          <a:ln/>
-        </p:spPr>
-        <p:txBody>
-          <a:bodyPr wrap="none" lIns="0" tIns="0" rIns="0" bIns="0" rtlCol="0" anchor="t"/>
-          <a:lstStyle/>
-          <a:p>
-            <a:pPr marL="0" indent="0" algn="r">
-              <a:lnSpc>
-                <a:spcPts val="2750"/>
-              </a:lnSpc>
-              <a:buNone/>
-              <a:defRPr/>
-            </a:pPr>
-            <a:r>
-              <a:rPr lang="en-US" sz="2200">
-                <a:solidFill>
-                  <a:srgbClr val="272525"/>
-                </a:solidFill>
-                <a:latin typeface="Gelasio"/>
-                <a:ea typeface="Gelasio"/>
-                <a:cs typeface="Gelasio"/>
-              </a:rPr>
-              <a:t>Desafios</a:t>
-            </a:r>
-            <a:endParaRPr lang="en-US" sz="2200"/>
-          </a:p>
-        </p:txBody>
-      </p:sp>
-      <p:sp>
-        <p:nvSpPr>
-          <p:cNvPr id="16" name="Text 8"/>
-          <p:cNvSpPr/>
-          <p:nvPr/>
-        </p:nvSpPr>
-        <p:spPr bwMode="auto">
-          <a:xfrm>
-            <a:off x="793790" y="5623084"/>
-            <a:ext cx="4238863" cy="1088708"/>
-          </a:xfrm>
-          <a:prstGeom prst="rect">
-            <a:avLst/>
-          </a:prstGeom>
-          <a:noFill/>
-          <a:ln/>
-        </p:spPr>
-        <p:txBody>
-          <a:bodyPr wrap="square" lIns="0" tIns="0" rIns="0" bIns="0" rtlCol="0" anchor="t"/>
-          <a:lstStyle/>
-          <a:p>
-            <a:pPr marL="0" indent="0" algn="r">
-              <a:lnSpc>
-                <a:spcPts val="2850"/>
-              </a:lnSpc>
-              <a:buNone/>
-              <a:defRPr/>
-            </a:pPr>
-            <a:r>
-              <a:rPr lang="en-US" sz="1750">
-                <a:solidFill>
-                  <a:srgbClr val="272525"/>
-                </a:solidFill>
-                <a:latin typeface="Lato"/>
-                <a:ea typeface="Lato"/>
-                <a:cs typeface="Lato"/>
-              </a:rPr>
-              <a:t>Lidar com ruídos, variações súbitas de luminosidade, sombras em movimento e outras interferências.</a:t>
-            </a:r>
-            <a:endParaRPr lang="en-US" sz="1750"/>
-          </a:p>
-        </p:txBody>
-      </p:sp>
-      <p:pic>
-        <p:nvPicPr>
-          <p:cNvPr id="17" name="Image 6" descr="preencoded.png"/>
-          <p:cNvPicPr>
-            <a:picLocks noChangeAspect="1"/>
-          </p:cNvPicPr>
-          <p:nvPr/>
-        </p:nvPicPr>
-        <p:blipFill>
-          <a:blip r:embed="rId9"/>
-          <a:stretch/>
-        </p:blipFill>
-        <p:spPr bwMode="auto">
-          <a:xfrm>
-            <a:off x="5032653" y="2413516"/>
-            <a:ext cx="4564975" cy="4564975"/>
-          </a:xfrm>
-          <a:prstGeom prst="rect">
-            <a:avLst/>
-          </a:prstGeom>
-        </p:spPr>
-      </p:pic>
-      <p:pic>
-        <p:nvPicPr>
-          <p:cNvPr id="18" name="Image 7" descr="preencoded.png"/>
-          <p:cNvPicPr>
-            <a:picLocks noChangeAspect="1"/>
-          </p:cNvPicPr>
-          <p:nvPr/>
-        </p:nvPicPr>
-        <p:blipFill>
-          <a:blip r:embed="rId10"/>
-          <a:stretch/>
-        </p:blipFill>
-        <p:spPr bwMode="auto">
-          <a:xfrm>
-            <a:off x="6324362" y="5327809"/>
-            <a:ext cx="318968" cy="398621"/>
-          </a:xfrm>
-          <a:prstGeom prst="rect">
-            <a:avLst/>
-          </a:prstGeom>
-        </p:spPr>
-      </p:pic>
+        </p:spPr>
+        <p:txBody>
+          <a:bodyPr vertOverflow="overflow" horzOverflow="overflow" vert="horz" wrap="none" lIns="91440" tIns="45720" rIns="91440" bIns="45720" numCol="1" spcCol="0" rtlCol="0" fromWordArt="0" anchor="t" anchorCtr="0" forceAA="0" compatLnSpc="0">
+            <a:spAutoFit/>
+          </a:bodyPr>
+          <a:lstStyle/>
+          <a:p>
+            <a:pPr>
+              <a:defRPr/>
+            </a:pPr>
+            <a:r>
+              <a:rPr lang="pt-BR" sz="2600"/>
+              <a:t>Frame original</a:t>
+            </a:r>
+            <a:endParaRPr sz="2600"/>
+          </a:p>
+        </p:txBody>
+      </p:sp>
     </p:spTree>
   </p:cSld>
   <p:clrMapOvr>
@@ -3736,413 +3306,6 @@
 </file>
 
 <file path=ppt/slides/slide11.xml><?xml version="1.0" encoding="utf-8"?>
-<p:sld xmlns:a="http://schemas.openxmlformats.org/drawingml/2006/main" xmlns:r="http://schemas.openxmlformats.org/officeDocument/2006/relationships" xmlns:p="http://schemas.openxmlformats.org/presentationml/2006/main" showMasterPhAnim="0">
-  <p:cSld name="Slide 9">
-    <p:spTree>
-      <p:nvGrpSpPr>
-        <p:cNvPr id="1" name=""/>
-        <p:cNvGrpSpPr/>
-        <p:nvPr/>
-      </p:nvGrpSpPr>
-      <p:grpSpPr bwMode="auto">
-        <a:xfrm>
-          <a:off x="0" y="0"/>
-          <a:ext cx="0" cy="0"/>
-          <a:chOff x="0" y="0"/>
-          <a:chExt cx="0" cy="0"/>
-        </a:xfrm>
-      </p:grpSpPr>
-      <p:sp>
-        <p:nvSpPr>
-          <p:cNvPr id="3" name="Text 0"/>
-          <p:cNvSpPr/>
-          <p:nvPr/>
-        </p:nvSpPr>
-        <p:spPr bwMode="auto">
-          <a:xfrm>
-            <a:off x="852190" y="1448334"/>
-            <a:ext cx="6579751" cy="708779"/>
-          </a:xfrm>
-          <a:prstGeom prst="rect">
-            <a:avLst/>
-          </a:prstGeom>
-          <a:noFill/>
-          <a:ln/>
-        </p:spPr>
-        <p:txBody>
-          <a:bodyPr wrap="none" lIns="0" tIns="0" rIns="0" bIns="0" rtlCol="0" anchor="t"/>
-          <a:lstStyle/>
-          <a:p>
-            <a:pPr marL="0" indent="0" algn="l">
-              <a:lnSpc>
-                <a:spcPts val="5550"/>
-              </a:lnSpc>
-              <a:buNone/>
-              <a:defRPr/>
-            </a:pPr>
-            <a:r>
-              <a:rPr lang="en-US" sz="4450">
-                <a:solidFill>
-                  <a:srgbClr val="312F2B"/>
-                </a:solidFill>
-                <a:latin typeface="Gelasio"/>
-                <a:ea typeface="Gelasio"/>
-                <a:cs typeface="Gelasio"/>
-              </a:rPr>
-              <a:t>Implementação do Código</a:t>
-            </a:r>
-            <a:endParaRPr lang="en-US" sz="4450"/>
-          </a:p>
-        </p:txBody>
-      </p:sp>
-      <p:sp>
-        <p:nvSpPr>
-          <p:cNvPr id="4" name="Shape 1"/>
-          <p:cNvSpPr/>
-          <p:nvPr/>
-        </p:nvSpPr>
-        <p:spPr bwMode="auto">
-          <a:xfrm>
-            <a:off x="852190" y="3177716"/>
-            <a:ext cx="4120753" cy="226814"/>
-          </a:xfrm>
-          <a:prstGeom prst="roundRect">
-            <a:avLst>
-              <a:gd name="adj" fmla="val 42003"/>
-            </a:avLst>
-          </a:prstGeom>
-          <a:solidFill>
-            <a:srgbClr val="E8E8E3"/>
-          </a:solidFill>
-          <a:ln w="7620">
-            <a:solidFill>
-              <a:srgbClr val="CECEC9"/>
-            </a:solidFill>
-            <a:prstDash val="solid"/>
-          </a:ln>
-        </p:spPr>
-      </p:sp>
-      <p:sp>
-        <p:nvSpPr>
-          <p:cNvPr id="5" name="Text 2"/>
-          <p:cNvSpPr/>
-          <p:nvPr/>
-        </p:nvSpPr>
-        <p:spPr bwMode="auto">
-          <a:xfrm>
-            <a:off x="852190" y="3744692"/>
-            <a:ext cx="2835235" cy="354330"/>
-          </a:xfrm>
-          <a:prstGeom prst="rect">
-            <a:avLst/>
-          </a:prstGeom>
-          <a:noFill/>
-          <a:ln/>
-        </p:spPr>
-        <p:txBody>
-          <a:bodyPr wrap="none" lIns="0" tIns="0" rIns="0" bIns="0" rtlCol="0" anchor="t"/>
-          <a:lstStyle/>
-          <a:p>
-            <a:pPr marL="0" indent="0" algn="l">
-              <a:lnSpc>
-                <a:spcPts val="2750"/>
-              </a:lnSpc>
-              <a:buNone/>
-              <a:defRPr/>
-            </a:pPr>
-            <a:r>
-              <a:rPr lang="en-US" sz="2200">
-                <a:solidFill>
-                  <a:srgbClr val="272525"/>
-                </a:solidFill>
-                <a:latin typeface="Gelasio"/>
-                <a:ea typeface="Gelasio"/>
-                <a:cs typeface="Gelasio"/>
-              </a:rPr>
-              <a:t>Captura e Preparação</a:t>
-            </a:r>
-            <a:endParaRPr lang="en-US" sz="2200"/>
-          </a:p>
-        </p:txBody>
-      </p:sp>
-      <p:sp>
-        <p:nvSpPr>
-          <p:cNvPr id="6" name="Text 3"/>
-          <p:cNvSpPr/>
-          <p:nvPr/>
-        </p:nvSpPr>
-        <p:spPr bwMode="auto">
-          <a:xfrm>
-            <a:off x="852190" y="4235111"/>
-            <a:ext cx="4120753" cy="1088708"/>
-          </a:xfrm>
-          <a:prstGeom prst="rect">
-            <a:avLst/>
-          </a:prstGeom>
-          <a:noFill/>
-          <a:ln/>
-        </p:spPr>
-        <p:txBody>
-          <a:bodyPr wrap="square" lIns="0" tIns="0" rIns="0" bIns="0" rtlCol="0" anchor="t"/>
-          <a:lstStyle/>
-          <a:p>
-            <a:pPr marL="0" indent="0" algn="l">
-              <a:lnSpc>
-                <a:spcPts val="2850"/>
-              </a:lnSpc>
-              <a:buNone/>
-              <a:defRPr/>
-            </a:pPr>
-            <a:r>
-              <a:rPr lang="en-US" sz="1750">
-                <a:solidFill>
-                  <a:srgbClr val="272525"/>
-                </a:solidFill>
-                <a:latin typeface="Lato"/>
-                <a:ea typeface="Lato"/>
-                <a:cs typeface="Lato"/>
-              </a:rPr>
-              <a:t>Captura do vídeo, redimensionamento para 360p e conversão para escala de cinza.</a:t>
-            </a:r>
-            <a:endParaRPr lang="en-US" sz="1750"/>
-          </a:p>
-        </p:txBody>
-      </p:sp>
-      <p:sp>
-        <p:nvSpPr>
-          <p:cNvPr id="7" name="Shape 4"/>
-          <p:cNvSpPr/>
-          <p:nvPr/>
-        </p:nvSpPr>
-        <p:spPr bwMode="auto">
-          <a:xfrm>
-            <a:off x="5313105" y="2837436"/>
-            <a:ext cx="4120872" cy="226814"/>
-          </a:xfrm>
-          <a:prstGeom prst="roundRect">
-            <a:avLst>
-              <a:gd name="adj" fmla="val 42003"/>
-            </a:avLst>
-          </a:prstGeom>
-          <a:solidFill>
-            <a:srgbClr val="E8E8E3"/>
-          </a:solidFill>
-          <a:ln w="7620">
-            <a:solidFill>
-              <a:srgbClr val="CECEC9"/>
-            </a:solidFill>
-            <a:prstDash val="solid"/>
-          </a:ln>
-        </p:spPr>
-      </p:sp>
-      <p:sp>
-        <p:nvSpPr>
-          <p:cNvPr id="8" name="Text 5"/>
-          <p:cNvSpPr/>
-          <p:nvPr/>
-        </p:nvSpPr>
-        <p:spPr bwMode="auto">
-          <a:xfrm>
-            <a:off x="5313105" y="3404411"/>
-            <a:ext cx="2835235" cy="354330"/>
-          </a:xfrm>
-          <a:prstGeom prst="rect">
-            <a:avLst/>
-          </a:prstGeom>
-          <a:noFill/>
-          <a:ln/>
-        </p:spPr>
-        <p:txBody>
-          <a:bodyPr wrap="none" lIns="0" tIns="0" rIns="0" bIns="0" rtlCol="0" anchor="t"/>
-          <a:lstStyle/>
-          <a:p>
-            <a:pPr marL="0" indent="0" algn="l">
-              <a:lnSpc>
-                <a:spcPts val="2750"/>
-              </a:lnSpc>
-              <a:buNone/>
-              <a:defRPr/>
-            </a:pPr>
-            <a:r>
-              <a:rPr lang="en-US" sz="2200">
-                <a:solidFill>
-                  <a:srgbClr val="272525"/>
-                </a:solidFill>
-                <a:latin typeface="Gelasio"/>
-                <a:ea typeface="Gelasio"/>
-                <a:cs typeface="Gelasio"/>
-              </a:rPr>
-              <a:t>Processamento</a:t>
-            </a:r>
-            <a:endParaRPr lang="en-US" sz="2200"/>
-          </a:p>
-        </p:txBody>
-      </p:sp>
-      <p:sp>
-        <p:nvSpPr>
-          <p:cNvPr id="9" name="Text 6"/>
-          <p:cNvSpPr/>
-          <p:nvPr/>
-        </p:nvSpPr>
-        <p:spPr bwMode="auto">
-          <a:xfrm>
-            <a:off x="5313105" y="3894829"/>
-            <a:ext cx="4120872" cy="1088708"/>
-          </a:xfrm>
-          <a:prstGeom prst="rect">
-            <a:avLst/>
-          </a:prstGeom>
-          <a:noFill/>
-          <a:ln/>
-        </p:spPr>
-        <p:txBody>
-          <a:bodyPr wrap="square" lIns="0" tIns="0" rIns="0" bIns="0" rtlCol="0" anchor="t"/>
-          <a:lstStyle/>
-          <a:p>
-            <a:pPr marL="0" indent="0" algn="l">
-              <a:lnSpc>
-                <a:spcPts val="2850"/>
-              </a:lnSpc>
-              <a:buNone/>
-              <a:defRPr/>
-            </a:pPr>
-            <a:r>
-              <a:rPr lang="en-US" sz="1750">
-                <a:solidFill>
-                  <a:srgbClr val="272525"/>
-                </a:solidFill>
-                <a:latin typeface="Lato"/>
-                <a:ea typeface="Lato"/>
-                <a:cs typeface="Lato"/>
-              </a:rPr>
-              <a:t>Cálculo da diferença entre frames, aplicação de desfoque Gaussiano e threshold adaptativo.</a:t>
-            </a:r>
-            <a:endParaRPr lang="en-US" sz="1750"/>
-          </a:p>
-        </p:txBody>
-      </p:sp>
-      <p:sp>
-        <p:nvSpPr>
-          <p:cNvPr id="10" name="Shape 7"/>
-          <p:cNvSpPr/>
-          <p:nvPr/>
-        </p:nvSpPr>
-        <p:spPr bwMode="auto">
-          <a:xfrm>
-            <a:off x="9774138" y="2497275"/>
-            <a:ext cx="4120872" cy="226814"/>
-          </a:xfrm>
-          <a:prstGeom prst="roundRect">
-            <a:avLst>
-              <a:gd name="adj" fmla="val 42003"/>
-            </a:avLst>
-          </a:prstGeom>
-          <a:solidFill>
-            <a:srgbClr val="E8E8E3"/>
-          </a:solidFill>
-          <a:ln w="7620">
-            <a:solidFill>
-              <a:srgbClr val="CECEC9"/>
-            </a:solidFill>
-            <a:prstDash val="solid"/>
-          </a:ln>
-        </p:spPr>
-      </p:sp>
-      <p:sp>
-        <p:nvSpPr>
-          <p:cNvPr id="11" name="Text 8"/>
-          <p:cNvSpPr/>
-          <p:nvPr/>
-        </p:nvSpPr>
-        <p:spPr bwMode="auto">
-          <a:xfrm>
-            <a:off x="9774138" y="3064250"/>
-            <a:ext cx="2835235" cy="354330"/>
-          </a:xfrm>
-          <a:prstGeom prst="rect">
-            <a:avLst/>
-          </a:prstGeom>
-          <a:noFill/>
-          <a:ln/>
-        </p:spPr>
-        <p:txBody>
-          <a:bodyPr wrap="none" lIns="0" tIns="0" rIns="0" bIns="0" rtlCol="0" anchor="t"/>
-          <a:lstStyle/>
-          <a:p>
-            <a:pPr marL="0" indent="0" algn="l">
-              <a:lnSpc>
-                <a:spcPts val="2750"/>
-              </a:lnSpc>
-              <a:buNone/>
-              <a:defRPr/>
-            </a:pPr>
-            <a:r>
-              <a:rPr lang="en-US" sz="2200">
-                <a:solidFill>
-                  <a:srgbClr val="272525"/>
-                </a:solidFill>
-                <a:latin typeface="Gelasio"/>
-                <a:ea typeface="Gelasio"/>
-                <a:cs typeface="Gelasio"/>
-              </a:rPr>
-              <a:t>Visualização</a:t>
-            </a:r>
-            <a:endParaRPr lang="en-US" sz="2200"/>
-          </a:p>
-        </p:txBody>
-      </p:sp>
-      <p:sp>
-        <p:nvSpPr>
-          <p:cNvPr id="12" name="Text 9"/>
-          <p:cNvSpPr/>
-          <p:nvPr/>
-        </p:nvSpPr>
-        <p:spPr bwMode="auto">
-          <a:xfrm>
-            <a:off x="9774138" y="3554669"/>
-            <a:ext cx="4120872" cy="725805"/>
-          </a:xfrm>
-          <a:prstGeom prst="rect">
-            <a:avLst/>
-          </a:prstGeom>
-          <a:noFill/>
-          <a:ln/>
-        </p:spPr>
-        <p:txBody>
-          <a:bodyPr wrap="square" lIns="0" tIns="0" rIns="0" bIns="0" rtlCol="0" anchor="t"/>
-          <a:lstStyle/>
-          <a:p>
-            <a:pPr marL="0" indent="0" algn="l">
-              <a:lnSpc>
-                <a:spcPts val="2850"/>
-              </a:lnSpc>
-              <a:buNone/>
-              <a:defRPr/>
-            </a:pPr>
-            <a:r>
-              <a:rPr lang="en-US" sz="1750">
-                <a:solidFill>
-                  <a:srgbClr val="272525"/>
-                </a:solidFill>
-                <a:latin typeface="Lato"/>
-                <a:ea typeface="Lato"/>
-                <a:cs typeface="Lato"/>
-              </a:rPr>
-              <a:t>Exibição do frame original, da diferença entre frames e da máscara de movimento.</a:t>
-            </a:r>
-            <a:endParaRPr lang="en-US" sz="1750"/>
-          </a:p>
-        </p:txBody>
-      </p:sp>
-    </p:spTree>
-  </p:cSld>
-  <p:clrMapOvr>
-    <a:masterClrMapping/>
-  </p:clrMapOvr>
-</p:sld>
-</file>
-
-<file path=ppt/slides/slide12.xml><?xml version="1.0" encoding="utf-8"?>
 <p:sld xmlns:a="http://schemas.openxmlformats.org/drawingml/2006/main" xmlns:r="http://schemas.openxmlformats.org/officeDocument/2006/relationships" xmlns:p="http://schemas.openxmlformats.org/presentationml/2006/main" showMasterPhAnim="0">
   <p:cSld name="Slide 10">
     <p:spTree>
@@ -4750,7 +3913,7 @@
 </p:sld>
 </file>
 
-<file path=ppt/slides/slide13.xml><?xml version="1.0" encoding="utf-8"?>
+<file path=ppt/slides/slide12.xml><?xml version="1.0" encoding="utf-8"?>
 <p:sld xmlns:a="http://schemas.openxmlformats.org/drawingml/2006/main" xmlns:r="http://schemas.openxmlformats.org/officeDocument/2006/relationships" xmlns:p="http://schemas.openxmlformats.org/presentationml/2006/main" showMasterPhAnim="0">
   <p:cSld name="Slide 11">
     <p:spTree>
@@ -5787,6 +4950,594 @@
 
 <file path=ppt/slides/slide3.xml><?xml version="1.0" encoding="utf-8"?>
 <p:sld xmlns:a="http://schemas.openxmlformats.org/drawingml/2006/main" xmlns:r="http://schemas.openxmlformats.org/officeDocument/2006/relationships" xmlns:p="http://schemas.openxmlformats.org/presentationml/2006/main" showMasterPhAnim="0">
+  <p:cSld name="Slide 8">
+    <p:spTree>
+      <p:nvGrpSpPr>
+        <p:cNvPr id="1" name=""/>
+        <p:cNvGrpSpPr/>
+        <p:nvPr/>
+      </p:nvGrpSpPr>
+      <p:grpSpPr bwMode="auto">
+        <a:xfrm>
+          <a:off x="0" y="0"/>
+          <a:ext cx="0" cy="0"/>
+          <a:chOff x="0" y="0"/>
+          <a:chExt cx="0" cy="0"/>
+        </a:xfrm>
+      </p:grpSpPr>
+      <p:sp>
+        <p:nvSpPr>
+          <p:cNvPr id="2" name="Text 0"/>
+          <p:cNvSpPr/>
+          <p:nvPr/>
+        </p:nvSpPr>
+        <p:spPr bwMode="auto">
+          <a:xfrm>
+            <a:off x="793790" y="1251109"/>
+            <a:ext cx="7670244" cy="708779"/>
+          </a:xfrm>
+          <a:prstGeom prst="rect">
+            <a:avLst/>
+          </a:prstGeom>
+          <a:noFill/>
+          <a:ln/>
+        </p:spPr>
+        <p:txBody>
+          <a:bodyPr wrap="none" lIns="0" tIns="0" rIns="0" bIns="0" rtlCol="0" anchor="t"/>
+          <a:lstStyle/>
+          <a:p>
+            <a:pPr marL="0" indent="0" algn="l">
+              <a:lnSpc>
+                <a:spcPts val="5550"/>
+              </a:lnSpc>
+              <a:buNone/>
+              <a:defRPr/>
+            </a:pPr>
+            <a:r>
+              <a:rPr lang="en-US" sz="4450">
+                <a:solidFill>
+                  <a:srgbClr val="312F2B"/>
+                </a:solidFill>
+                <a:latin typeface="Gelasio"/>
+                <a:ea typeface="Gelasio"/>
+                <a:cs typeface="Gelasio"/>
+              </a:rPr>
+              <a:t>Problemas a Serem Resolvidos</a:t>
+            </a:r>
+            <a:endParaRPr lang="en-US" sz="4450"/>
+          </a:p>
+        </p:txBody>
+      </p:sp>
+      <p:sp>
+        <p:nvSpPr>
+          <p:cNvPr id="3" name="Text 1"/>
+          <p:cNvSpPr/>
+          <p:nvPr/>
+        </p:nvSpPr>
+        <p:spPr bwMode="auto">
+          <a:xfrm>
+            <a:off x="2181106" y="2680097"/>
+            <a:ext cx="2851547" cy="354330"/>
+          </a:xfrm>
+          <a:prstGeom prst="rect">
+            <a:avLst/>
+          </a:prstGeom>
+          <a:noFill/>
+          <a:ln/>
+        </p:spPr>
+        <p:txBody>
+          <a:bodyPr wrap="none" lIns="0" tIns="0" rIns="0" bIns="0" rtlCol="0" anchor="t"/>
+          <a:lstStyle/>
+          <a:p>
+            <a:pPr marL="0" indent="0" algn="r">
+              <a:lnSpc>
+                <a:spcPts val="2750"/>
+              </a:lnSpc>
+              <a:buNone/>
+              <a:defRPr/>
+            </a:pPr>
+            <a:r>
+              <a:rPr lang="en-US" sz="2200">
+                <a:solidFill>
+                  <a:srgbClr val="272525"/>
+                </a:solidFill>
+                <a:latin typeface="Gelasio"/>
+                <a:ea typeface="Gelasio"/>
+                <a:cs typeface="Gelasio"/>
+              </a:rPr>
+              <a:t>Sistemas de Segurança</a:t>
+            </a:r>
+            <a:endParaRPr lang="en-US" sz="2200"/>
+          </a:p>
+        </p:txBody>
+      </p:sp>
+      <p:sp>
+        <p:nvSpPr>
+          <p:cNvPr id="4" name="Text 2"/>
+          <p:cNvSpPr/>
+          <p:nvPr/>
+        </p:nvSpPr>
+        <p:spPr bwMode="auto">
+          <a:xfrm>
+            <a:off x="793790" y="3170515"/>
+            <a:ext cx="4238863" cy="1088708"/>
+          </a:xfrm>
+          <a:prstGeom prst="rect">
+            <a:avLst/>
+          </a:prstGeom>
+          <a:noFill/>
+          <a:ln/>
+        </p:spPr>
+        <p:txBody>
+          <a:bodyPr wrap="square" lIns="0" tIns="0" rIns="0" bIns="0" rtlCol="0" anchor="t"/>
+          <a:lstStyle/>
+          <a:p>
+            <a:pPr marL="0" indent="0" algn="r">
+              <a:lnSpc>
+                <a:spcPts val="2850"/>
+              </a:lnSpc>
+              <a:buNone/>
+              <a:defRPr/>
+            </a:pPr>
+            <a:r>
+              <a:rPr lang="en-US" sz="1750">
+                <a:solidFill>
+                  <a:srgbClr val="272525"/>
+                </a:solidFill>
+                <a:latin typeface="Lato"/>
+                <a:ea typeface="Lato"/>
+                <a:cs typeface="Lato"/>
+              </a:rPr>
+              <a:t>Capturar movimentos suspeitos em áreas restritas, acionando alertas quando necessário.</a:t>
+            </a:r>
+            <a:endParaRPr lang="en-US" sz="1750"/>
+          </a:p>
+        </p:txBody>
+      </p:sp>
+      <p:pic>
+        <p:nvPicPr>
+          <p:cNvPr id="5" name="Image 0" descr="preencoded.png"/>
+          <p:cNvPicPr>
+            <a:picLocks noChangeAspect="1"/>
+          </p:cNvPicPr>
+          <p:nvPr/>
+        </p:nvPicPr>
+        <p:blipFill>
+          <a:blip r:embed="rId3"/>
+          <a:stretch/>
+        </p:blipFill>
+        <p:spPr bwMode="auto">
+          <a:xfrm>
+            <a:off x="5032653" y="2413516"/>
+            <a:ext cx="4564975" cy="4564975"/>
+          </a:xfrm>
+          <a:prstGeom prst="rect">
+            <a:avLst/>
+          </a:prstGeom>
+        </p:spPr>
+      </p:pic>
+      <p:pic>
+        <p:nvPicPr>
+          <p:cNvPr id="6" name="Image 1" descr="preencoded.png"/>
+          <p:cNvPicPr>
+            <a:picLocks noChangeAspect="1"/>
+          </p:cNvPicPr>
+          <p:nvPr/>
+        </p:nvPicPr>
+        <p:blipFill>
+          <a:blip r:embed="rId4"/>
+          <a:stretch/>
+        </p:blipFill>
+        <p:spPr bwMode="auto">
+          <a:xfrm>
+            <a:off x="6324362" y="3665458"/>
+            <a:ext cx="318968" cy="398621"/>
+          </a:xfrm>
+          <a:prstGeom prst="rect">
+            <a:avLst/>
+          </a:prstGeom>
+        </p:spPr>
+      </p:pic>
+      <p:sp>
+        <p:nvSpPr>
+          <p:cNvPr id="7" name="Text 3"/>
+          <p:cNvSpPr/>
+          <p:nvPr/>
+        </p:nvSpPr>
+        <p:spPr bwMode="auto">
+          <a:xfrm>
+            <a:off x="9597627" y="2680097"/>
+            <a:ext cx="3376851" cy="354330"/>
+          </a:xfrm>
+          <a:prstGeom prst="rect">
+            <a:avLst/>
+          </a:prstGeom>
+          <a:noFill/>
+          <a:ln/>
+        </p:spPr>
+        <p:txBody>
+          <a:bodyPr wrap="none" lIns="0" tIns="0" rIns="0" bIns="0" rtlCol="0" anchor="t"/>
+          <a:lstStyle/>
+          <a:p>
+            <a:pPr marL="0" indent="0" algn="l">
+              <a:lnSpc>
+                <a:spcPts val="2750"/>
+              </a:lnSpc>
+              <a:buNone/>
+              <a:defRPr/>
+            </a:pPr>
+            <a:r>
+              <a:rPr lang="en-US" sz="2200">
+                <a:solidFill>
+                  <a:srgbClr val="272525"/>
+                </a:solidFill>
+                <a:latin typeface="Gelasio"/>
+                <a:ea typeface="Gelasio"/>
+                <a:cs typeface="Gelasio"/>
+              </a:rPr>
+              <a:t>Monitoramento de Tráfego</a:t>
+            </a:r>
+            <a:endParaRPr lang="en-US" sz="2200"/>
+          </a:p>
+        </p:txBody>
+      </p:sp>
+      <p:sp>
+        <p:nvSpPr>
+          <p:cNvPr id="8" name="Text 4"/>
+          <p:cNvSpPr/>
+          <p:nvPr/>
+        </p:nvSpPr>
+        <p:spPr bwMode="auto">
+          <a:xfrm>
+            <a:off x="9597627" y="3170515"/>
+            <a:ext cx="4238982" cy="1088708"/>
+          </a:xfrm>
+          <a:prstGeom prst="rect">
+            <a:avLst/>
+          </a:prstGeom>
+          <a:noFill/>
+          <a:ln/>
+        </p:spPr>
+        <p:txBody>
+          <a:bodyPr wrap="square" lIns="0" tIns="0" rIns="0" bIns="0" rtlCol="0" anchor="t"/>
+          <a:lstStyle/>
+          <a:p>
+            <a:pPr marL="0" indent="0" algn="l">
+              <a:lnSpc>
+                <a:spcPts val="2850"/>
+              </a:lnSpc>
+              <a:buNone/>
+              <a:defRPr/>
+            </a:pPr>
+            <a:r>
+              <a:rPr lang="en-US" sz="1750">
+                <a:solidFill>
+                  <a:srgbClr val="272525"/>
+                </a:solidFill>
+                <a:latin typeface="Lato"/>
+                <a:ea typeface="Lato"/>
+                <a:cs typeface="Lato"/>
+              </a:rPr>
+              <a:t>Identificar e rastrear veículos em rodovias para estudar fluxo de trânsito e congestionamentos.</a:t>
+            </a:r>
+            <a:endParaRPr lang="en-US" sz="1750"/>
+          </a:p>
+        </p:txBody>
+      </p:sp>
+      <p:pic>
+        <p:nvPicPr>
+          <p:cNvPr id="9" name="Image 2" descr="preencoded.png"/>
+          <p:cNvPicPr>
+            <a:picLocks noChangeAspect="1"/>
+          </p:cNvPicPr>
+          <p:nvPr/>
+        </p:nvPicPr>
+        <p:blipFill>
+          <a:blip r:embed="rId5"/>
+          <a:stretch/>
+        </p:blipFill>
+        <p:spPr bwMode="auto">
+          <a:xfrm>
+            <a:off x="5032653" y="2413516"/>
+            <a:ext cx="4564975" cy="4564975"/>
+          </a:xfrm>
+          <a:prstGeom prst="rect">
+            <a:avLst/>
+          </a:prstGeom>
+        </p:spPr>
+      </p:pic>
+      <p:pic>
+        <p:nvPicPr>
+          <p:cNvPr id="10" name="Image 3" descr="preencoded.png"/>
+          <p:cNvPicPr>
+            <a:picLocks noChangeAspect="1"/>
+          </p:cNvPicPr>
+          <p:nvPr/>
+        </p:nvPicPr>
+        <p:blipFill>
+          <a:blip r:embed="rId6"/>
+          <a:stretch/>
+        </p:blipFill>
+        <p:spPr bwMode="auto">
+          <a:xfrm>
+            <a:off x="7986713" y="3665458"/>
+            <a:ext cx="318968" cy="398621"/>
+          </a:xfrm>
+          <a:prstGeom prst="rect">
+            <a:avLst/>
+          </a:prstGeom>
+        </p:spPr>
+      </p:pic>
+      <p:sp>
+        <p:nvSpPr>
+          <p:cNvPr id="11" name="Text 5"/>
+          <p:cNvSpPr/>
+          <p:nvPr/>
+        </p:nvSpPr>
+        <p:spPr bwMode="auto">
+          <a:xfrm>
+            <a:off x="9597627" y="5132665"/>
+            <a:ext cx="3042642" cy="354330"/>
+          </a:xfrm>
+          <a:prstGeom prst="rect">
+            <a:avLst/>
+          </a:prstGeom>
+          <a:noFill/>
+          <a:ln/>
+        </p:spPr>
+        <p:txBody>
+          <a:bodyPr wrap="none" lIns="0" tIns="0" rIns="0" bIns="0" rtlCol="0" anchor="t"/>
+          <a:lstStyle/>
+          <a:p>
+            <a:pPr marL="0" indent="0" algn="l">
+              <a:lnSpc>
+                <a:spcPts val="2750"/>
+              </a:lnSpc>
+              <a:buNone/>
+              <a:defRPr/>
+            </a:pPr>
+            <a:r>
+              <a:rPr lang="en-US" sz="2200">
+                <a:solidFill>
+                  <a:srgbClr val="272525"/>
+                </a:solidFill>
+                <a:latin typeface="Gelasio"/>
+                <a:ea typeface="Gelasio"/>
+                <a:cs typeface="Gelasio"/>
+              </a:rPr>
+              <a:t>Comportamento Animal</a:t>
+            </a:r>
+            <a:endParaRPr lang="en-US" sz="2200"/>
+          </a:p>
+        </p:txBody>
+      </p:sp>
+      <p:sp>
+        <p:nvSpPr>
+          <p:cNvPr id="12" name="Text 6"/>
+          <p:cNvSpPr/>
+          <p:nvPr/>
+        </p:nvSpPr>
+        <p:spPr bwMode="auto">
+          <a:xfrm>
+            <a:off x="9597627" y="5623084"/>
+            <a:ext cx="4238982" cy="1088708"/>
+          </a:xfrm>
+          <a:prstGeom prst="rect">
+            <a:avLst/>
+          </a:prstGeom>
+          <a:noFill/>
+          <a:ln/>
+        </p:spPr>
+        <p:txBody>
+          <a:bodyPr wrap="square" lIns="0" tIns="0" rIns="0" bIns="0" rtlCol="0" anchor="t"/>
+          <a:lstStyle/>
+          <a:p>
+            <a:pPr marL="0" indent="0" algn="l">
+              <a:lnSpc>
+                <a:spcPts val="2850"/>
+              </a:lnSpc>
+              <a:buNone/>
+              <a:defRPr/>
+            </a:pPr>
+            <a:r>
+              <a:rPr lang="en-US" sz="1750">
+                <a:solidFill>
+                  <a:srgbClr val="272525"/>
+                </a:solidFill>
+                <a:latin typeface="Lato"/>
+                <a:ea typeface="Lato"/>
+                <a:cs typeface="Lato"/>
+              </a:rPr>
+              <a:t>Capturar movimentos de animais em cenários rurais com diversos detalhes ambientais.</a:t>
+            </a:r>
+            <a:endParaRPr lang="en-US" sz="1750"/>
+          </a:p>
+        </p:txBody>
+      </p:sp>
+      <p:pic>
+        <p:nvPicPr>
+          <p:cNvPr id="13" name="Image 4" descr="preencoded.png"/>
+          <p:cNvPicPr>
+            <a:picLocks noChangeAspect="1"/>
+          </p:cNvPicPr>
+          <p:nvPr/>
+        </p:nvPicPr>
+        <p:blipFill>
+          <a:blip r:embed="rId7"/>
+          <a:stretch/>
+        </p:blipFill>
+        <p:spPr bwMode="auto">
+          <a:xfrm>
+            <a:off x="5032653" y="2413516"/>
+            <a:ext cx="4564975" cy="4564975"/>
+          </a:xfrm>
+          <a:prstGeom prst="rect">
+            <a:avLst/>
+          </a:prstGeom>
+        </p:spPr>
+      </p:pic>
+      <p:pic>
+        <p:nvPicPr>
+          <p:cNvPr id="14" name="Image 5" descr="preencoded.png"/>
+          <p:cNvPicPr>
+            <a:picLocks noChangeAspect="1"/>
+          </p:cNvPicPr>
+          <p:nvPr/>
+        </p:nvPicPr>
+        <p:blipFill>
+          <a:blip r:embed="rId8"/>
+          <a:stretch/>
+        </p:blipFill>
+        <p:spPr bwMode="auto">
+          <a:xfrm>
+            <a:off x="7986713" y="5327809"/>
+            <a:ext cx="318968" cy="398621"/>
+          </a:xfrm>
+          <a:prstGeom prst="rect">
+            <a:avLst/>
+          </a:prstGeom>
+        </p:spPr>
+      </p:pic>
+      <p:sp>
+        <p:nvSpPr>
+          <p:cNvPr id="15" name="Text 7"/>
+          <p:cNvSpPr/>
+          <p:nvPr/>
+        </p:nvSpPr>
+        <p:spPr bwMode="auto">
+          <a:xfrm>
+            <a:off x="2197418" y="5132665"/>
+            <a:ext cx="2835235" cy="354330"/>
+          </a:xfrm>
+          <a:prstGeom prst="rect">
+            <a:avLst/>
+          </a:prstGeom>
+          <a:noFill/>
+          <a:ln/>
+        </p:spPr>
+        <p:txBody>
+          <a:bodyPr wrap="none" lIns="0" tIns="0" rIns="0" bIns="0" rtlCol="0" anchor="t"/>
+          <a:lstStyle/>
+          <a:p>
+            <a:pPr marL="0" indent="0" algn="r">
+              <a:lnSpc>
+                <a:spcPts val="2750"/>
+              </a:lnSpc>
+              <a:buNone/>
+              <a:defRPr/>
+            </a:pPr>
+            <a:r>
+              <a:rPr lang="en-US" sz="2200">
+                <a:solidFill>
+                  <a:srgbClr val="272525"/>
+                </a:solidFill>
+                <a:latin typeface="Gelasio"/>
+                <a:ea typeface="Gelasio"/>
+                <a:cs typeface="Gelasio"/>
+              </a:rPr>
+              <a:t>Desafios</a:t>
+            </a:r>
+            <a:endParaRPr lang="en-US" sz="2200"/>
+          </a:p>
+        </p:txBody>
+      </p:sp>
+      <p:sp>
+        <p:nvSpPr>
+          <p:cNvPr id="16" name="Text 8"/>
+          <p:cNvSpPr/>
+          <p:nvPr/>
+        </p:nvSpPr>
+        <p:spPr bwMode="auto">
+          <a:xfrm>
+            <a:off x="793790" y="5623084"/>
+            <a:ext cx="4238863" cy="1088708"/>
+          </a:xfrm>
+          <a:prstGeom prst="rect">
+            <a:avLst/>
+          </a:prstGeom>
+          <a:noFill/>
+          <a:ln/>
+        </p:spPr>
+        <p:txBody>
+          <a:bodyPr wrap="square" lIns="0" tIns="0" rIns="0" bIns="0" rtlCol="0" anchor="t"/>
+          <a:lstStyle/>
+          <a:p>
+            <a:pPr marL="0" indent="0" algn="r">
+              <a:lnSpc>
+                <a:spcPts val="2850"/>
+              </a:lnSpc>
+              <a:buNone/>
+              <a:defRPr/>
+            </a:pPr>
+            <a:r>
+              <a:rPr lang="en-US" sz="1750">
+                <a:solidFill>
+                  <a:srgbClr val="272525"/>
+                </a:solidFill>
+                <a:latin typeface="Lato"/>
+                <a:ea typeface="Lato"/>
+                <a:cs typeface="Lato"/>
+              </a:rPr>
+              <a:t>Lidar com ruídos, variações súbitas de luminosidade, sombras em movimento e outras interferências.</a:t>
+            </a:r>
+            <a:endParaRPr lang="en-US" sz="1750"/>
+          </a:p>
+        </p:txBody>
+      </p:sp>
+      <p:pic>
+        <p:nvPicPr>
+          <p:cNvPr id="17" name="Image 6" descr="preencoded.png"/>
+          <p:cNvPicPr>
+            <a:picLocks noChangeAspect="1"/>
+          </p:cNvPicPr>
+          <p:nvPr/>
+        </p:nvPicPr>
+        <p:blipFill>
+          <a:blip r:embed="rId9"/>
+          <a:stretch/>
+        </p:blipFill>
+        <p:spPr bwMode="auto">
+          <a:xfrm>
+            <a:off x="5032653" y="2413516"/>
+            <a:ext cx="4564975" cy="4564975"/>
+          </a:xfrm>
+          <a:prstGeom prst="rect">
+            <a:avLst/>
+          </a:prstGeom>
+        </p:spPr>
+      </p:pic>
+      <p:pic>
+        <p:nvPicPr>
+          <p:cNvPr id="18" name="Image 7" descr="preencoded.png"/>
+          <p:cNvPicPr>
+            <a:picLocks noChangeAspect="1"/>
+          </p:cNvPicPr>
+          <p:nvPr/>
+        </p:nvPicPr>
+        <p:blipFill>
+          <a:blip r:embed="rId10"/>
+          <a:stretch/>
+        </p:blipFill>
+        <p:spPr bwMode="auto">
+          <a:xfrm>
+            <a:off x="6324362" y="5327809"/>
+            <a:ext cx="318968" cy="398621"/>
+          </a:xfrm>
+          <a:prstGeom prst="rect">
+            <a:avLst/>
+          </a:prstGeom>
+        </p:spPr>
+      </p:pic>
+    </p:spTree>
+  </p:cSld>
+  <p:clrMapOvr>
+    <a:masterClrMapping/>
+  </p:clrMapOvr>
+</p:sld>
+</file>
+
+<file path=ppt/slides/slide4.xml><?xml version="1.0" encoding="utf-8"?>
+<p:sld xmlns:a="http://schemas.openxmlformats.org/drawingml/2006/main" xmlns:r="http://schemas.openxmlformats.org/officeDocument/2006/relationships" xmlns:p="http://schemas.openxmlformats.org/presentationml/2006/main" showMasterPhAnim="0">
   <p:cSld name="Slide 3">
     <p:spTree>
       <p:nvGrpSpPr>
@@ -6285,7 +6036,7 @@
 </p:sld>
 </file>
 
-<file path=ppt/slides/slide4.xml><?xml version="1.0" encoding="utf-8"?>
+<file path=ppt/slides/slide5.xml><?xml version="1.0" encoding="utf-8"?>
 <p:sld xmlns:a="http://schemas.openxmlformats.org/drawingml/2006/main" xmlns:r="http://schemas.openxmlformats.org/officeDocument/2006/relationships" xmlns:p="http://schemas.openxmlformats.org/presentationml/2006/main" showMasterPhAnim="0">
   <p:cSld name="Slide 7">
     <p:spTree>
@@ -6692,7 +6443,7 @@
 </p:sld>
 </file>
 
-<file path=ppt/slides/slide5.xml><?xml version="1.0" encoding="utf-8"?>
+<file path=ppt/slides/slide6.xml><?xml version="1.0" encoding="utf-8"?>
 <p:sld xmlns:a="http://schemas.openxmlformats.org/drawingml/2006/main" xmlns:r="http://schemas.openxmlformats.org/officeDocument/2006/relationships" xmlns:p="http://schemas.openxmlformats.org/presentationml/2006/main">
   <p:cSld>
     <p:spTree>
@@ -6853,7 +6604,7 @@
 </p:sld>
 </file>
 
-<file path=ppt/slides/slide6.xml><?xml version="1.0" encoding="utf-8"?>
+<file path=ppt/slides/slide7.xml><?xml version="1.0" encoding="utf-8"?>
 <p:sld xmlns:a="http://schemas.openxmlformats.org/drawingml/2006/main" xmlns:r="http://schemas.openxmlformats.org/officeDocument/2006/relationships" xmlns:p="http://schemas.openxmlformats.org/presentationml/2006/main">
   <p:cSld>
     <p:spTree>
@@ -6998,7 +6749,7 @@
 </p:sld>
 </file>
 
-<file path=ppt/slides/slide7.xml><?xml version="1.0" encoding="utf-8"?>
+<file path=ppt/slides/slide8.xml><?xml version="1.0" encoding="utf-8"?>
 <p:sld xmlns:a="http://schemas.openxmlformats.org/drawingml/2006/main" xmlns:r="http://schemas.openxmlformats.org/officeDocument/2006/relationships" xmlns:p="http://schemas.openxmlformats.org/presentationml/2006/main" showMasterPhAnim="0">
   <p:cSld name="Slide 5">
     <p:spTree>
@@ -7274,7 +7025,7 @@
 </p:sld>
 </file>
 
-<file path=ppt/slides/slide8.xml><?xml version="1.0" encoding="utf-8"?>
+<file path=ppt/slides/slide9.xml><?xml version="1.0" encoding="utf-8"?>
 <p:sld xmlns:a="http://schemas.openxmlformats.org/drawingml/2006/main" xmlns:r="http://schemas.openxmlformats.org/officeDocument/2006/relationships" xmlns:p="http://schemas.openxmlformats.org/presentationml/2006/main" showMasterPhAnim="0">
   <p:cSld name="Slide 6">
     <p:spTree>
@@ -7544,250 +7295,6 @@
       <p:sp>
         <p:nvSpPr>
           <p:cNvPr id="1443461344" name="TextBox 1443461343"/>
-          <p:cNvSpPr txBox="1"/>
-          <p:nvPr/>
-        </p:nvSpPr>
-        <p:spPr bwMode="auto">
-          <a:xfrm>
-            <a:off x="10683595" y="6010000"/>
-            <a:ext cx="2114961" cy="488039"/>
-          </a:xfrm>
-          <a:prstGeom prst="rect">
-            <a:avLst/>
-          </a:prstGeom>
-          <a:noFill/>
-        </p:spPr>
-        <p:txBody>
-          <a:bodyPr vertOverflow="overflow" horzOverflow="overflow" vert="horz" wrap="none" lIns="91440" tIns="45720" rIns="91440" bIns="45720" numCol="1" spcCol="0" rtlCol="0" fromWordArt="0" anchor="t" anchorCtr="0" forceAA="0" compatLnSpc="0">
-            <a:spAutoFit/>
-          </a:bodyPr>
-          <a:lstStyle/>
-          <a:p>
-            <a:pPr>
-              <a:defRPr/>
-            </a:pPr>
-            <a:r>
-              <a:rPr lang="pt-BR" sz="2600"/>
-              <a:t>Frame original</a:t>
-            </a:r>
-            <a:endParaRPr sz="2600"/>
-          </a:p>
-        </p:txBody>
-      </p:sp>
-    </p:spTree>
-  </p:cSld>
-  <p:clrMapOvr>
-    <a:masterClrMapping/>
-  </p:clrMapOvr>
-</p:sld>
-</file>
-
-<file path=ppt/slides/slide9.xml><?xml version="1.0" encoding="utf-8"?>
-<p:sld xmlns:a="http://schemas.openxmlformats.org/drawingml/2006/main" xmlns:r="http://schemas.openxmlformats.org/officeDocument/2006/relationships" xmlns:p="http://schemas.openxmlformats.org/presentationml/2006/main" showMasterPhAnim="0">
-  <p:cSld>
-    <p:spTree>
-      <p:nvGrpSpPr>
-        <p:cNvPr id="1" name=""/>
-        <p:cNvGrpSpPr/>
-        <p:nvPr/>
-      </p:nvGrpSpPr>
-      <p:grpSpPr bwMode="auto">
-        <a:xfrm>
-          <a:off x="0" y="0"/>
-          <a:ext cx="0" cy="0"/>
-          <a:chOff x="0" y="0"/>
-          <a:chExt cx="0" cy="0"/>
-        </a:xfrm>
-      </p:grpSpPr>
-      <p:sp>
-        <p:nvSpPr>
-          <p:cNvPr id="2002442213" name="Text 0"/>
-          <p:cNvSpPr/>
-          <p:nvPr/>
-        </p:nvSpPr>
-        <p:spPr bwMode="auto">
-          <a:xfrm>
-            <a:off x="331719" y="56160"/>
-            <a:ext cx="8387421" cy="722818"/>
-          </a:xfrm>
-          <a:prstGeom prst="rect">
-            <a:avLst/>
-          </a:prstGeom>
-          <a:noFill/>
-          <a:ln/>
-        </p:spPr>
-        <p:txBody>
-          <a:bodyPr wrap="none" lIns="0" tIns="0" rIns="0" bIns="0" rtlCol="0" anchor="t"/>
-          <a:lstStyle/>
-          <a:p>
-            <a:pPr marL="0" indent="0" algn="l">
-              <a:lnSpc>
-                <a:spcPts val="5549"/>
-              </a:lnSpc>
-              <a:buNone/>
-              <a:defRPr/>
-            </a:pPr>
-            <a:r>
-              <a:rPr lang="en-US" sz="4450">
-                <a:solidFill>
-                  <a:srgbClr val="312F2B"/>
-                </a:solidFill>
-                <a:latin typeface="Gelasio"/>
-                <a:ea typeface="Gelasio"/>
-                <a:cs typeface="Gelasio"/>
-              </a:rPr>
-              <a:t>Resultados</a:t>
-            </a:r>
-            <a:r>
-              <a:rPr lang="pt-BR" sz="4450">
-                <a:solidFill>
-                  <a:srgbClr val="312F2B"/>
-                </a:solidFill>
-                <a:latin typeface="Gelasio"/>
-                <a:ea typeface="Gelasio"/>
-                <a:cs typeface="Gelasio"/>
-              </a:rPr>
-              <a:t> - Movimento Humano</a:t>
-            </a:r>
-            <a:endParaRPr lang="en-US" sz="4450"/>
-          </a:p>
-        </p:txBody>
-      </p:sp>
-      <p:pic>
-        <p:nvPicPr>
-          <p:cNvPr id="1704414087" name="Picture 1704414086"/>
-          <p:cNvPicPr>
-            <a:picLocks noChangeAspect="1"/>
-          </p:cNvPicPr>
-          <p:nvPr/>
-        </p:nvPicPr>
-        <p:blipFill>
-          <a:blip r:embed="rId3"/>
-          <a:stretch/>
-        </p:blipFill>
-        <p:spPr bwMode="auto">
-          <a:xfrm>
-            <a:off x="331719" y="1151119"/>
-            <a:ext cx="6095999" cy="3429000"/>
-          </a:xfrm>
-          <a:prstGeom prst="rect">
-            <a:avLst/>
-          </a:prstGeom>
-        </p:spPr>
-      </p:pic>
-      <p:pic>
-        <p:nvPicPr>
-          <p:cNvPr id="444048733" name="Picture 444048732"/>
-          <p:cNvPicPr>
-            <a:picLocks noChangeAspect="1"/>
-          </p:cNvPicPr>
-          <p:nvPr/>
-        </p:nvPicPr>
-        <p:blipFill>
-          <a:blip r:embed="rId4"/>
-          <a:stretch/>
-        </p:blipFill>
-        <p:spPr bwMode="auto">
-          <a:xfrm>
-            <a:off x="4329658" y="4680054"/>
-            <a:ext cx="6095999" cy="3429000"/>
-          </a:xfrm>
-          <a:prstGeom prst="rect">
-            <a:avLst/>
-          </a:prstGeom>
-        </p:spPr>
-      </p:pic>
-      <p:pic>
-        <p:nvPicPr>
-          <p:cNvPr id="1348752735" name="Picture 1348752734"/>
-          <p:cNvPicPr>
-            <a:picLocks noChangeAspect="1"/>
-          </p:cNvPicPr>
-          <p:nvPr/>
-        </p:nvPicPr>
-        <p:blipFill>
-          <a:blip r:embed="rId5"/>
-          <a:stretch/>
-        </p:blipFill>
-        <p:spPr bwMode="auto">
-          <a:xfrm>
-            <a:off x="7611880" y="1028815"/>
-            <a:ext cx="6095999" cy="3429000"/>
-          </a:xfrm>
-          <a:prstGeom prst="rect">
-            <a:avLst/>
-          </a:prstGeom>
-        </p:spPr>
-      </p:pic>
-      <p:sp>
-        <p:nvSpPr>
-          <p:cNvPr id="354955276" name="TextBox 354955275"/>
-          <p:cNvSpPr txBox="1"/>
-          <p:nvPr/>
-        </p:nvSpPr>
-        <p:spPr bwMode="auto">
-          <a:xfrm>
-            <a:off x="1297621" y="687048"/>
-            <a:ext cx="3283548" cy="488039"/>
-          </a:xfrm>
-          <a:prstGeom prst="rect">
-            <a:avLst/>
-          </a:prstGeom>
-          <a:noFill/>
-        </p:spPr>
-        <p:txBody>
-          <a:bodyPr vertOverflow="overflow" horzOverflow="overflow" vert="horz" wrap="none" lIns="91440" tIns="45720" rIns="91440" bIns="45720" numCol="1" spcCol="0" rtlCol="0" fromWordArt="0" anchor="t" anchorCtr="0" forceAA="0" compatLnSpc="0">
-            <a:spAutoFit/>
-          </a:bodyPr>
-          <a:lstStyle/>
-          <a:p>
-            <a:pPr>
-              <a:defRPr/>
-            </a:pPr>
-            <a:r>
-              <a:rPr lang="pt-BR" sz="2600"/>
-              <a:t>Diferença Entre frames</a:t>
-            </a:r>
-            <a:endParaRPr sz="2600"/>
-          </a:p>
-        </p:txBody>
-      </p:sp>
-      <p:sp>
-        <p:nvSpPr>
-          <p:cNvPr id="1981386361" name="TextBox 1981386360"/>
-          <p:cNvSpPr txBox="1"/>
-          <p:nvPr/>
-        </p:nvSpPr>
-        <p:spPr bwMode="auto">
-          <a:xfrm>
-            <a:off x="9163710" y="595428"/>
-            <a:ext cx="3039772" cy="488039"/>
-          </a:xfrm>
-          <a:prstGeom prst="rect">
-            <a:avLst/>
-          </a:prstGeom>
-          <a:noFill/>
-        </p:spPr>
-        <p:txBody>
-          <a:bodyPr vertOverflow="overflow" horzOverflow="overflow" vert="horz" wrap="none" lIns="91440" tIns="45720" rIns="91440" bIns="45720" numCol="1" spcCol="0" rtlCol="0" fromWordArt="0" anchor="t" anchorCtr="0" forceAA="0" compatLnSpc="0">
-            <a:spAutoFit/>
-          </a:bodyPr>
-          <a:lstStyle/>
-          <a:p>
-            <a:pPr>
-              <a:defRPr/>
-            </a:pPr>
-            <a:r>
-              <a:rPr lang="pt-BR" sz="2600"/>
-              <a:t>Threshold adaptativo</a:t>
-            </a:r>
-            <a:endParaRPr sz="2600"/>
-          </a:p>
-        </p:txBody>
-      </p:sp>
-      <p:sp>
-        <p:nvSpPr>
-          <p:cNvPr id="1499392875" name="TextBox 1499392874"/>
           <p:cNvSpPr txBox="1"/>
           <p:nvPr/>
         </p:nvSpPr>
